--- a/初学者指南/1零基础起步.pptx
+++ b/初学者指南/1零基础起步.pptx
@@ -220,7 +220,7 @@
           <a:p>
             <a:fld id="{02ED86D5-3087-417E-B881-6DCE8815FEC6}" type="datetimeFigureOut">
               <a:rPr lang="zh-CN" altLang="en-US" smtClean="0"/>
-              <a:t>2019/5/9</a:t>
+              <a:t>2019/10/4</a:t>
             </a:fld>
             <a:endParaRPr lang="zh-CN" altLang="en-US"/>
           </a:p>
@@ -618,7 +618,7 @@
           <a:p>
             <a:fld id="{016A8076-6BE9-4048-89C9-7CCFB1E10902}" type="datetime1">
               <a:rPr lang="zh-CN" altLang="en-US" smtClean="0"/>
-              <a:t>2019/5/9</a:t>
+              <a:t>2019/10/4</a:t>
             </a:fld>
             <a:endParaRPr lang="zh-CN" altLang="en-US"/>
           </a:p>
@@ -791,7 +791,7 @@
           <a:p>
             <a:fld id="{185A3E47-8D8C-4590-B331-C25DE9307E39}" type="datetime1">
               <a:rPr lang="zh-CN" altLang="en-US" smtClean="0"/>
-              <a:t>2019/5/9</a:t>
+              <a:t>2019/10/4</a:t>
             </a:fld>
             <a:endParaRPr lang="zh-CN" altLang="en-US"/>
           </a:p>
@@ -974,7 +974,7 @@
           <a:p>
             <a:fld id="{6291DB68-A23A-4766-A8BC-1E5651F952F3}" type="datetime1">
               <a:rPr lang="zh-CN" altLang="en-US" smtClean="0"/>
-              <a:t>2019/5/9</a:t>
+              <a:t>2019/10/4</a:t>
             </a:fld>
             <a:endParaRPr lang="zh-CN" altLang="en-US"/>
           </a:p>
@@ -1412,7 +1412,7 @@
           <a:p>
             <a:fld id="{AA89693E-04BA-4CB0-B637-C02AD316040F}" type="datetime1">
               <a:rPr lang="zh-CN" altLang="en-US" smtClean="0"/>
-              <a:t>2019/5/9</a:t>
+              <a:t>2019/10/4</a:t>
             </a:fld>
             <a:endParaRPr lang="zh-CN" altLang="en-US"/>
           </a:p>
@@ -1659,7 +1659,7 @@
           <a:p>
             <a:fld id="{691BC170-1A29-4177-BAC4-C23691B08338}" type="datetime1">
               <a:rPr lang="zh-CN" altLang="en-US" smtClean="0"/>
-              <a:t>2019/5/9</a:t>
+              <a:t>2019/10/4</a:t>
             </a:fld>
             <a:endParaRPr lang="zh-CN" altLang="en-US"/>
           </a:p>
@@ -1894,7 +1894,7 @@
           <a:p>
             <a:fld id="{49A8C436-EE4E-491F-AE67-84AE31B69E85}" type="datetime1">
               <a:rPr lang="zh-CN" altLang="en-US" smtClean="0"/>
-              <a:t>2019/5/9</a:t>
+              <a:t>2019/10/4</a:t>
             </a:fld>
             <a:endParaRPr lang="zh-CN" altLang="en-US"/>
           </a:p>
@@ -2264,7 +2264,7 @@
           <a:p>
             <a:fld id="{639D9145-4973-4C99-8A1C-8A239F758531}" type="datetime1">
               <a:rPr lang="zh-CN" altLang="en-US" smtClean="0"/>
-              <a:t>2019/5/9</a:t>
+              <a:t>2019/10/4</a:t>
             </a:fld>
             <a:endParaRPr lang="zh-CN" altLang="en-US"/>
           </a:p>
@@ -2385,7 +2385,7 @@
           <a:p>
             <a:fld id="{0F68CC03-7107-4BDD-8838-8BF613F19918}" type="datetime1">
               <a:rPr lang="zh-CN" altLang="en-US" smtClean="0"/>
-              <a:t>2019/5/9</a:t>
+              <a:t>2019/10/4</a:t>
             </a:fld>
             <a:endParaRPr lang="zh-CN" altLang="en-US"/>
           </a:p>
@@ -2483,7 +2483,7 @@
           <a:p>
             <a:fld id="{ABB2C43E-6B77-420E-8666-158D61F95666}" type="datetime1">
               <a:rPr lang="zh-CN" altLang="en-US" smtClean="0"/>
-              <a:t>2019/5/9</a:t>
+              <a:t>2019/10/4</a:t>
             </a:fld>
             <a:endParaRPr lang="zh-CN" altLang="en-US"/>
           </a:p>
@@ -2763,7 +2763,7 @@
           <a:p>
             <a:fld id="{0BFAB1CE-FFAC-42ED-A32F-A2A96E101099}" type="datetime1">
               <a:rPr lang="zh-CN" altLang="en-US" smtClean="0"/>
-              <a:t>2019/5/9</a:t>
+              <a:t>2019/10/4</a:t>
             </a:fld>
             <a:endParaRPr lang="zh-CN" altLang="en-US"/>
           </a:p>
@@ -3023,7 +3023,7 @@
           <a:p>
             <a:fld id="{187C3EE4-8426-43D3-B75D-B2EACE3E8A3F}" type="datetime1">
               <a:rPr lang="zh-CN" altLang="en-US" smtClean="0"/>
-              <a:t>2019/5/9</a:t>
+              <a:t>2019/10/4</a:t>
             </a:fld>
             <a:endParaRPr lang="zh-CN" altLang="en-US"/>
           </a:p>
@@ -3239,7 +3239,7 @@
           <a:p>
             <a:fld id="{16BD9C76-68C8-4C1A-A043-8B2E0A7A4446}" type="datetime1">
               <a:rPr lang="zh-CN" altLang="en-US" smtClean="0"/>
-              <a:t>2019/5/9</a:t>
+              <a:t>2019/10/4</a:t>
             </a:fld>
             <a:endParaRPr lang="zh-CN" altLang="en-US"/>
           </a:p>
@@ -6011,7 +6011,7 @@
           <a:graphicData uri="http://schemas.openxmlformats.org/presentationml/2006/ole">
             <mc:AlternateContent xmlns:mc="http://schemas.openxmlformats.org/markup-compatibility/2006">
               <mc:Choice xmlns:v="urn:schemas-microsoft-com:vml" Requires="v">
-                <p:oleObj spid="_x0000_s3157" r:id="rId3" imgW="9505800" imgH="3933720" progId="Paint.Picture">
+                <p:oleObj spid="_x0000_s3158" r:id="rId3" imgW="9505800" imgH="3933720" progId="Paint.Picture">
                   <p:embed/>
                 </p:oleObj>
               </mc:Choice>
@@ -7747,14 +7747,14 @@
                 <a:latin typeface="宋体" panose="02010600030101010101" pitchFamily="2" charset="-122"/>
                 <a:ea typeface="宋体" panose="02010600030101010101" pitchFamily="2" charset="-122"/>
               </a:rPr>
-              <a:t> 2019.6</a:t>
+              <a:t> 2019.7</a:t>
             </a:r>
             <a:r>
               <a:rPr lang="zh-CN" altLang="en-US" sz="2000" dirty="0">
                 <a:latin typeface="宋体" panose="02010600030101010101" pitchFamily="2" charset="-122"/>
                 <a:ea typeface="宋体" panose="02010600030101010101" pitchFamily="2" charset="-122"/>
               </a:rPr>
-              <a:t>月将出版</a:t>
+              <a:t>月出版</a:t>
             </a:r>
             <a:r>
               <a:rPr lang="zh-CN" altLang="en-US" sz="2400" dirty="0">
